--- a/Presentation/Presentation_slides.pptx
+++ b/Presentation/Presentation_slides.pptx
@@ -6,7 +6,7 @@
     <p:sldMasterId id="2147483696" r:id="rId2"/>
   </p:sldMasterIdLst>
   <p:notesMasterIdLst>
-    <p:notesMasterId r:id="rId8"/>
+    <p:notesMasterId r:id="rId9"/>
   </p:notesMasterIdLst>
   <p:sldIdLst>
     <p:sldId id="256" r:id="rId3"/>
@@ -14,6 +14,7 @@
     <p:sldId id="257" r:id="rId5"/>
     <p:sldId id="304" r:id="rId6"/>
     <p:sldId id="305" r:id="rId7"/>
+    <p:sldId id="307" r:id="rId8"/>
   </p:sldIdLst>
   <p:sldSz cx="12192000" cy="6858000"/>
   <p:notesSz cx="6858000" cy="9144000"/>
@@ -202,7 +203,7 @@
           <a:p>
             <a:fld id="{C12BE069-02B8-46F4-B7A3-1901DE6586F4}" type="datetimeFigureOut">
               <a:rPr lang="de-DE" smtClean="0"/>
-              <a:t>01.07.2024</a:t>
+              <a:t>02.07.2024</a:t>
             </a:fld>
             <a:endParaRPr lang="de-DE"/>
           </a:p>
@@ -723,7 +724,7 @@
           <a:p>
             <a:fld id="{F82F8456-1700-4EA4-A2A0-74C427A51EE5}" type="datetime1">
               <a:rPr lang="de-DE" smtClean="0"/>
-              <a:t>01.07.2024</a:t>
+              <a:t>02.07.2024</a:t>
             </a:fld>
             <a:endParaRPr lang="de-DE"/>
           </a:p>
@@ -923,7 +924,7 @@
           <a:p>
             <a:fld id="{0CBF25A9-AFBB-4DBD-914B-FBEEC84B3229}" type="datetime1">
               <a:rPr lang="de-DE" smtClean="0"/>
-              <a:t>01.07.2024</a:t>
+              <a:t>02.07.2024</a:t>
             </a:fld>
             <a:endParaRPr lang="de-DE"/>
           </a:p>
@@ -1133,7 +1134,7 @@
           <a:p>
             <a:fld id="{83A40F57-ED7F-4037-AD95-FEB37228F641}" type="datetime1">
               <a:rPr lang="de-DE" smtClean="0"/>
-              <a:t>01.07.2024</a:t>
+              <a:t>02.07.2024</a:t>
             </a:fld>
             <a:endParaRPr lang="de-DE"/>
           </a:p>
@@ -5813,7 +5814,7 @@
           <a:p>
             <a:fld id="{01FEFCD7-0297-4B70-8FAF-CE89BCC2C0EF}" type="datetime1">
               <a:rPr lang="de-DE" smtClean="0"/>
-              <a:t>01.07.2024</a:t>
+              <a:t>02.07.2024</a:t>
             </a:fld>
             <a:endParaRPr lang="de-DE"/>
           </a:p>
@@ -14393,7 +14394,7 @@
           <a:p>
             <a:fld id="{3B0A0439-DE99-4CFC-91C2-A37EF2E8D996}" type="datetime1">
               <a:rPr lang="de-DE" smtClean="0"/>
-              <a:t>01.07.2024</a:t>
+              <a:t>02.07.2024</a:t>
             </a:fld>
             <a:endParaRPr lang="de-DE"/>
           </a:p>
@@ -22740,7 +22741,7 @@
           <a:p>
             <a:fld id="{A33CB787-971D-436C-B5AE-A01BABBC73F2}" type="datetime1">
               <a:rPr lang="de-DE" smtClean="0"/>
-              <a:t>01.07.2024</a:t>
+              <a:t>02.07.2024</a:t>
             </a:fld>
             <a:endParaRPr lang="de-DE"/>
           </a:p>
@@ -25413,7 +25414,7 @@
           <a:p>
             <a:fld id="{3E53F3DA-6843-410E-9B23-A23F269E2F16}" type="datetime1">
               <a:rPr lang="de-DE" smtClean="0"/>
-              <a:t>01.07.2024</a:t>
+              <a:t>02.07.2024</a:t>
             </a:fld>
             <a:endParaRPr lang="de-DE"/>
           </a:p>
@@ -39792,7 +39793,7 @@
           <a:p>
             <a:fld id="{C818DB25-95F7-45BA-B624-A449C55505B0}" type="datetime1">
               <a:rPr lang="de-DE" smtClean="0"/>
-              <a:t>01.07.2024</a:t>
+              <a:t>02.07.2024</a:t>
             </a:fld>
             <a:endParaRPr lang="de-DE"/>
           </a:p>
@@ -55123,7 +55124,7 @@
           <a:p>
             <a:fld id="{7EBCF805-D511-42A6-A4A5-181398426734}" type="datetime1">
               <a:rPr lang="de-DE" smtClean="0"/>
-              <a:t>01.07.2024</a:t>
+              <a:t>02.07.2024</a:t>
             </a:fld>
             <a:endParaRPr lang="de-DE"/>
           </a:p>
@@ -57216,7 +57217,7 @@
           <a:p>
             <a:fld id="{A48DC2F2-4D53-4617-B79C-89FED9AAE824}" type="datetime1">
               <a:rPr lang="de-DE" smtClean="0"/>
-              <a:t>01.07.2024</a:t>
+              <a:t>02.07.2024</a:t>
             </a:fld>
             <a:endParaRPr lang="de-DE"/>
           </a:p>
@@ -57505,7 +57506,7 @@
           <a:p>
             <a:fld id="{4B0E0659-C598-41D5-AA5F-67728C2E67C9}" type="datetime1">
               <a:rPr lang="de-DE" smtClean="0"/>
-              <a:t>01.07.2024</a:t>
+              <a:t>02.07.2024</a:t>
             </a:fld>
             <a:endParaRPr lang="de-DE"/>
           </a:p>
@@ -57748,7 +57749,7 @@
           <a:p>
             <a:fld id="{0FAEFDC7-853F-4C37-8D74-F1056ED0C453}" type="datetime1">
               <a:rPr lang="de-DE" smtClean="0"/>
-              <a:t>01.07.2024</a:t>
+              <a:t>02.07.2024</a:t>
             </a:fld>
             <a:endParaRPr lang="de-DE"/>
           </a:p>
@@ -58719,7 +58720,7 @@
         <p:push/>
       </p:transition>
     </mc:Choice>
-    <mc:Fallback xmlns:ahyp="http://schemas.microsoft.com/office/drawing/2018/hyperlinkcolor" xmlns:p15="http://schemas.microsoft.com/office/powerpoint/2012/main" xmlns:com="http://schemas.openxmlformats.org/drawingml/2006/compatibility" xmlns:pvml="urn:schemas-microsoft-com:office:powerpoint" xmlns:v="urn:schemas-microsoft-com:vml" xmlns:o="urn:schemas-microsoft-com:office:office" xmlns:dgm="http://schemas.openxmlformats.org/drawingml/2006/diagram" xmlns:c="http://schemas.openxmlformats.org/drawingml/2006/chart" xmlns:mv="urn:schemas-microsoft-com:mac:vml" xmlns="">
+    <mc:Fallback xmlns="" xmlns:mv="urn:schemas-microsoft-com:mac:vml" xmlns:c="http://schemas.openxmlformats.org/drawingml/2006/chart" xmlns:dgm="http://schemas.openxmlformats.org/drawingml/2006/diagram" xmlns:o="urn:schemas-microsoft-com:office:office" xmlns:v="urn:schemas-microsoft-com:vml" xmlns:pvml="urn:schemas-microsoft-com:office:powerpoint" xmlns:com="http://schemas.openxmlformats.org/drawingml/2006/compatibility" xmlns:p15="http://schemas.microsoft.com/office/powerpoint/2012/main" xmlns:ahyp="http://schemas.microsoft.com/office/drawing/2018/hyperlinkcolor">
       <p:transition spd="slow">
         <p:fade/>
       </p:transition>
@@ -61264,6 +61265,130 @@
     <p:extLst>
       <p:ext uri="{BB962C8B-B14F-4D97-AF65-F5344CB8AC3E}">
         <p14:creationId xmlns:p14="http://schemas.microsoft.com/office/powerpoint/2010/main" val="437477776"/>
+      </p:ext>
+    </p:extLst>
+  </p:cSld>
+  <p:clrMapOvr>
+    <a:masterClrMapping/>
+  </p:clrMapOvr>
+</p:sld>
+</file>
+
+<file path=ppt/slides/slide6.xml><?xml version="1.0" encoding="utf-8"?>
+<p:sld xmlns:a="http://schemas.openxmlformats.org/drawingml/2006/main" xmlns:r="http://schemas.openxmlformats.org/officeDocument/2006/relationships" xmlns:p="http://schemas.openxmlformats.org/presentationml/2006/main">
+  <p:cSld>
+    <p:spTree>
+      <p:nvGrpSpPr>
+        <p:cNvPr id="1" name=""/>
+        <p:cNvGrpSpPr/>
+        <p:nvPr/>
+      </p:nvGrpSpPr>
+      <p:grpSpPr>
+        <a:xfrm>
+          <a:off x="0" y="0"/>
+          <a:ext cx="0" cy="0"/>
+          <a:chOff x="0" y="0"/>
+          <a:chExt cx="0" cy="0"/>
+        </a:xfrm>
+      </p:grpSpPr>
+      <p:sp>
+        <p:nvSpPr>
+          <p:cNvPr id="2" name="Title 1">
+            <a:extLst>
+              <a:ext uri="{FF2B5EF4-FFF2-40B4-BE49-F238E27FC236}">
+                <a16:creationId xmlns:a16="http://schemas.microsoft.com/office/drawing/2014/main" id="{71AFE8F6-C5E2-4322-A846-7EAD13DEB2BF}"/>
+              </a:ext>
+            </a:extLst>
+          </p:cNvPr>
+          <p:cNvSpPr>
+            <a:spLocks noGrp="1"/>
+          </p:cNvSpPr>
+          <p:nvPr>
+            <p:ph type="title"/>
+          </p:nvPr>
+        </p:nvSpPr>
+        <p:spPr/>
+        <p:txBody>
+          <a:bodyPr/>
+          <a:lstStyle/>
+          <a:p>
+            <a:r>
+              <a:rPr lang="de-DE" dirty="0"/>
+              <a:t>Class </a:t>
+            </a:r>
+            <a:r>
+              <a:rPr lang="de-DE" dirty="0" err="1"/>
+              <a:t>diagrams</a:t>
+            </a:r>
+            <a:endParaRPr lang="de-DE" dirty="0"/>
+          </a:p>
+        </p:txBody>
+      </p:sp>
+      <p:sp>
+        <p:nvSpPr>
+          <p:cNvPr id="4" name="Footer Placeholder 3">
+            <a:extLst>
+              <a:ext uri="{FF2B5EF4-FFF2-40B4-BE49-F238E27FC236}">
+                <a16:creationId xmlns:a16="http://schemas.microsoft.com/office/drawing/2014/main" id="{5211ADDA-E662-4AC7-8AC1-77AB1218AA86}"/>
+              </a:ext>
+            </a:extLst>
+          </p:cNvPr>
+          <p:cNvSpPr>
+            <a:spLocks noGrp="1"/>
+          </p:cNvSpPr>
+          <p:nvPr>
+            <p:ph type="ftr" sz="quarter" idx="11"/>
+          </p:nvPr>
+        </p:nvSpPr>
+        <p:spPr/>
+        <p:txBody>
+          <a:bodyPr/>
+          <a:lstStyle/>
+          <a:p>
+            <a:endParaRPr lang="de-DE"/>
+          </a:p>
+        </p:txBody>
+      </p:sp>
+      <p:pic>
+        <p:nvPicPr>
+          <p:cNvPr id="8" name="Picture 7">
+            <a:extLst>
+              <a:ext uri="{FF2B5EF4-FFF2-40B4-BE49-F238E27FC236}">
+                <a16:creationId xmlns:a16="http://schemas.microsoft.com/office/drawing/2014/main" id="{B591F764-88F3-4B34-912D-39E3639BB9F1}"/>
+              </a:ext>
+            </a:extLst>
+          </p:cNvPr>
+          <p:cNvPicPr>
+            <a:picLocks noChangeAspect="1"/>
+          </p:cNvPicPr>
+          <p:nvPr/>
+        </p:nvPicPr>
+        <p:blipFill>
+          <a:blip r:embed="rId2">
+            <a:extLst>
+              <a:ext uri="{28A0092B-C50C-407E-A947-70E740481C1C}">
+                <a14:useLocalDpi xmlns:a14="http://schemas.microsoft.com/office/drawing/2010/main" val="0"/>
+              </a:ext>
+            </a:extLst>
+          </a:blip>
+          <a:stretch>
+            <a:fillRect/>
+          </a:stretch>
+        </p:blipFill>
+        <p:spPr>
+          <a:xfrm>
+            <a:off x="3593306" y="1489332"/>
+            <a:ext cx="5005388" cy="4787059"/>
+          </a:xfrm>
+          <a:prstGeom prst="rect">
+            <a:avLst/>
+          </a:prstGeom>
+        </p:spPr>
+      </p:pic>
+    </p:spTree>
+    <p:extLst>
+      <p:ext uri="{BB962C8B-B14F-4D97-AF65-F5344CB8AC3E}">
+        <p14:creationId xmlns:p14="http://schemas.microsoft.com/office/powerpoint/2010/main" val="1688645462"/>
       </p:ext>
     </p:extLst>
   </p:cSld>

--- a/Presentation/Presentation_slides.pptx
+++ b/Presentation/Presentation_slides.pptx
@@ -61385,6 +61385,304 @@
           </a:prstGeom>
         </p:spPr>
       </p:pic>
+      <p:sp>
+        <p:nvSpPr>
+          <p:cNvPr id="9" name="Rectangle 8">
+            <a:extLst>
+              <a:ext uri="{FF2B5EF4-FFF2-40B4-BE49-F238E27FC236}">
+                <a16:creationId xmlns:a16="http://schemas.microsoft.com/office/drawing/2014/main" id="{C6FBA5A3-5E62-4861-A8C5-0A461A25490A}"/>
+              </a:ext>
+            </a:extLst>
+          </p:cNvPr>
+          <p:cNvSpPr/>
+          <p:nvPr/>
+        </p:nvSpPr>
+        <p:spPr>
+          <a:xfrm>
+            <a:off x="6466114" y="3882861"/>
+            <a:ext cx="2132580" cy="2256682"/>
+          </a:xfrm>
+          <a:prstGeom prst="rect">
+            <a:avLst/>
+          </a:prstGeom>
+          <a:solidFill>
+            <a:srgbClr val="7ACFF5"/>
+          </a:solidFill>
+          <a:ln w="3175"/>
+        </p:spPr>
+        <p:style>
+          <a:lnRef idx="2">
+            <a:schemeClr val="accent1">
+              <a:shade val="50000"/>
+            </a:schemeClr>
+          </a:lnRef>
+          <a:fillRef idx="1">
+            <a:schemeClr val="accent1"/>
+          </a:fillRef>
+          <a:effectRef idx="0">
+            <a:schemeClr val="accent1"/>
+          </a:effectRef>
+          <a:fontRef idx="minor">
+            <a:schemeClr val="lt1"/>
+          </a:fontRef>
+        </p:style>
+        <p:txBody>
+          <a:bodyPr rtlCol="0" anchor="ctr"/>
+          <a:lstStyle/>
+          <a:p>
+            <a:pPr algn="ctr"/>
+            <a:endParaRPr lang="de-DE">
+              <a:solidFill>
+                <a:schemeClr val="accent1">
+                  <a:lumMod val="20000"/>
+                  <a:lumOff val="80000"/>
+                </a:schemeClr>
+              </a:solidFill>
+            </a:endParaRPr>
+          </a:p>
+        </p:txBody>
+      </p:sp>
+      <p:cxnSp>
+        <p:nvCxnSpPr>
+          <p:cNvPr id="11" name="Straight Connector 10">
+            <a:extLst>
+              <a:ext uri="{FF2B5EF4-FFF2-40B4-BE49-F238E27FC236}">
+                <a16:creationId xmlns:a16="http://schemas.microsoft.com/office/drawing/2014/main" id="{A079992E-AD7B-4D7A-9063-A83D1A70AF4F}"/>
+              </a:ext>
+            </a:extLst>
+          </p:cNvPr>
+          <p:cNvCxnSpPr/>
+          <p:nvPr/>
+        </p:nvCxnSpPr>
+        <p:spPr>
+          <a:xfrm>
+            <a:off x="6466114" y="4058816"/>
+            <a:ext cx="2132580" cy="0"/>
+          </a:xfrm>
+          <a:prstGeom prst="line">
+            <a:avLst/>
+          </a:prstGeom>
+        </p:spPr>
+        <p:style>
+          <a:lnRef idx="2">
+            <a:schemeClr val="accent1"/>
+          </a:lnRef>
+          <a:fillRef idx="0">
+            <a:schemeClr val="accent1"/>
+          </a:fillRef>
+          <a:effectRef idx="1">
+            <a:schemeClr val="accent1"/>
+          </a:effectRef>
+          <a:fontRef idx="minor">
+            <a:schemeClr val="tx1"/>
+          </a:fontRef>
+        </p:style>
+      </p:cxnSp>
+      <p:sp>
+        <p:nvSpPr>
+          <p:cNvPr id="12" name="TextBox 11">
+            <a:extLst>
+              <a:ext uri="{FF2B5EF4-FFF2-40B4-BE49-F238E27FC236}">
+                <a16:creationId xmlns:a16="http://schemas.microsoft.com/office/drawing/2014/main" id="{0436EA82-2B60-482E-8A40-576EDF2941BF}"/>
+              </a:ext>
+            </a:extLst>
+          </p:cNvPr>
+          <p:cNvSpPr txBox="1"/>
+          <p:nvPr/>
+        </p:nvSpPr>
+        <p:spPr>
+          <a:xfrm>
+            <a:off x="6996167" y="3812232"/>
+            <a:ext cx="1072473" cy="276999"/>
+          </a:xfrm>
+          <a:prstGeom prst="rect">
+            <a:avLst/>
+          </a:prstGeom>
+          <a:noFill/>
+        </p:spPr>
+        <p:txBody>
+          <a:bodyPr wrap="none" rtlCol="0">
+            <a:spAutoFit/>
+          </a:bodyPr>
+          <a:lstStyle/>
+          <a:p>
+            <a:r>
+              <a:rPr lang="de-DE" sz="1200" b="1" dirty="0"/>
+              <a:t>Conveyer belt</a:t>
+            </a:r>
+          </a:p>
+        </p:txBody>
+      </p:sp>
+      <p:cxnSp>
+        <p:nvCxnSpPr>
+          <p:cNvPr id="13" name="Straight Connector 12">
+            <a:extLst>
+              <a:ext uri="{FF2B5EF4-FFF2-40B4-BE49-F238E27FC236}">
+                <a16:creationId xmlns:a16="http://schemas.microsoft.com/office/drawing/2014/main" id="{5348E89B-F342-4CC9-A9CD-CE549DDE70FB}"/>
+              </a:ext>
+            </a:extLst>
+          </p:cNvPr>
+          <p:cNvCxnSpPr/>
+          <p:nvPr/>
+        </p:nvCxnSpPr>
+        <p:spPr>
+          <a:xfrm>
+            <a:off x="6457554" y="4603102"/>
+            <a:ext cx="2132580" cy="0"/>
+          </a:xfrm>
+          <a:prstGeom prst="line">
+            <a:avLst/>
+          </a:prstGeom>
+        </p:spPr>
+        <p:style>
+          <a:lnRef idx="2">
+            <a:schemeClr val="accent1"/>
+          </a:lnRef>
+          <a:fillRef idx="0">
+            <a:schemeClr val="accent1"/>
+          </a:fillRef>
+          <a:effectRef idx="1">
+            <a:schemeClr val="accent1"/>
+          </a:effectRef>
+          <a:fontRef idx="minor">
+            <a:schemeClr val="tx1"/>
+          </a:fontRef>
+        </p:style>
+      </p:cxnSp>
+      <p:sp>
+        <p:nvSpPr>
+          <p:cNvPr id="14" name="TextBox 13">
+            <a:extLst>
+              <a:ext uri="{FF2B5EF4-FFF2-40B4-BE49-F238E27FC236}">
+                <a16:creationId xmlns:a16="http://schemas.microsoft.com/office/drawing/2014/main" id="{7A891288-FD06-4E75-8BAD-D156F0E4DE01}"/>
+              </a:ext>
+            </a:extLst>
+          </p:cNvPr>
+          <p:cNvSpPr txBox="1"/>
+          <p:nvPr/>
+        </p:nvSpPr>
+        <p:spPr>
+          <a:xfrm>
+            <a:off x="6439877" y="4042206"/>
+            <a:ext cx="1072473" cy="400110"/>
+          </a:xfrm>
+          <a:prstGeom prst="rect">
+            <a:avLst/>
+          </a:prstGeom>
+          <a:noFill/>
+        </p:spPr>
+        <p:txBody>
+          <a:bodyPr wrap="square" rtlCol="0">
+            <a:spAutoFit/>
+          </a:bodyPr>
+          <a:lstStyle/>
+          <a:p>
+            <a:r>
+              <a:rPr lang="de-DE" sz="1000" dirty="0"/>
+              <a:t>-</a:t>
+            </a:r>
+            <a:r>
+              <a:rPr lang="de-DE" sz="1000" dirty="0" err="1"/>
+              <a:t>dirPin</a:t>
+            </a:r>
+            <a:r>
+              <a:rPr lang="de-DE" sz="1000" dirty="0"/>
+              <a:t> : </a:t>
+            </a:r>
+            <a:r>
+              <a:rPr lang="de-DE" sz="1000" dirty="0" err="1"/>
+              <a:t>int</a:t>
+            </a:r>
+            <a:br>
+              <a:rPr lang="de-DE" sz="1000" dirty="0"/>
+            </a:br>
+            <a:r>
+              <a:rPr lang="de-DE" sz="1000" dirty="0"/>
+              <a:t>-</a:t>
+            </a:r>
+            <a:r>
+              <a:rPr lang="de-DE" sz="1000" dirty="0" err="1"/>
+              <a:t>stepPin</a:t>
+            </a:r>
+            <a:r>
+              <a:rPr lang="de-DE" sz="1000" dirty="0"/>
+              <a:t> : </a:t>
+            </a:r>
+            <a:r>
+              <a:rPr lang="de-DE" sz="1000" dirty="0" err="1"/>
+              <a:t>int</a:t>
+            </a:r>
+            <a:endParaRPr lang="de-DE" sz="1000" dirty="0"/>
+          </a:p>
+        </p:txBody>
+      </p:sp>
+      <p:sp>
+        <p:nvSpPr>
+          <p:cNvPr id="15" name="TextBox 14">
+            <a:extLst>
+              <a:ext uri="{FF2B5EF4-FFF2-40B4-BE49-F238E27FC236}">
+                <a16:creationId xmlns:a16="http://schemas.microsoft.com/office/drawing/2014/main" id="{A707AFB4-CF7C-40A1-8897-8F72316B4FB7}"/>
+              </a:ext>
+            </a:extLst>
+          </p:cNvPr>
+          <p:cNvSpPr txBox="1"/>
+          <p:nvPr/>
+        </p:nvSpPr>
+        <p:spPr>
+          <a:xfrm>
+            <a:off x="6451371" y="4642572"/>
+            <a:ext cx="1072473" cy="400110"/>
+          </a:xfrm>
+          <a:prstGeom prst="rect">
+            <a:avLst/>
+          </a:prstGeom>
+          <a:noFill/>
+        </p:spPr>
+        <p:txBody>
+          <a:bodyPr wrap="square" rtlCol="0">
+            <a:spAutoFit/>
+          </a:bodyPr>
+          <a:lstStyle/>
+          <a:p>
+            <a:r>
+              <a:rPr lang="de-DE" sz="1000" dirty="0"/>
+              <a:t>+</a:t>
+            </a:r>
+            <a:r>
+              <a:rPr lang="de-DE" sz="1000" dirty="0" err="1"/>
+              <a:t>move</a:t>
+            </a:r>
+            <a:r>
+              <a:rPr lang="de-DE" sz="1000" dirty="0"/>
+              <a:t> : </a:t>
+            </a:r>
+            <a:r>
+              <a:rPr lang="de-DE" sz="1000" dirty="0" err="1"/>
+              <a:t>void</a:t>
+            </a:r>
+            <a:br>
+              <a:rPr lang="de-DE" sz="1000" dirty="0"/>
+            </a:br>
+            <a:r>
+              <a:rPr lang="de-DE" sz="1000" dirty="0"/>
+              <a:t>+</a:t>
+            </a:r>
+            <a:r>
+              <a:rPr lang="de-DE" sz="1000" dirty="0" err="1"/>
+              <a:t>stop</a:t>
+            </a:r>
+            <a:r>
+              <a:rPr lang="de-DE" sz="1000" dirty="0"/>
+              <a:t> : </a:t>
+            </a:r>
+            <a:r>
+              <a:rPr lang="de-DE" sz="1000" dirty="0" err="1"/>
+              <a:t>void</a:t>
+            </a:r>
+            <a:endParaRPr lang="de-DE" sz="1000" dirty="0"/>
+          </a:p>
+        </p:txBody>
+      </p:sp>
     </p:spTree>
     <p:extLst>
       <p:ext uri="{BB962C8B-B14F-4D97-AF65-F5344CB8AC3E}">
